--- a/テンプレ１.pptx
+++ b/テンプレ１.pptx
@@ -7,7 +7,7 @@
   <p:sldIdLst>
     <p:sldId id="256" r:id="rId2"/>
     <p:sldId id="257" r:id="rId3"/>
-    <p:sldId id="258" r:id="rId4"/>
+    <p:sldId id="260" r:id="rId4"/>
   </p:sldIdLst>
   <p:sldSz cx="12192000" cy="6858000"/>
   <p:notesSz cx="6858000" cy="9144000"/>
@@ -106,6 +106,11 @@
       </a:defRPr>
     </a:lvl9pPr>
   </p:defaultTextStyle>
+  <p:extLst>
+    <p:ext uri="{EFAFB233-063F-42B5-8137-9DF3F51BA10A}">
+      <p15:sldGuideLst xmlns:p15="http://schemas.microsoft.com/office/powerpoint/2012/main"/>
+    </p:ext>
+  </p:extLst>
 </p:presentation>
 </file>
 
@@ -318,162 +323,6 @@
               <a:rPr kumimoji="1" lang="ja-JP" altLang="en-US" smtClean="0"/>
               <a:t>‹#›</a:t>
             </a:fld>
-            <a:endParaRPr kumimoji="1" lang="ja-JP" altLang="en-US"/>
-          </a:p>
-        </p:txBody>
-      </p:sp>
-      <p:sp>
-        <p:nvSpPr>
-          <p:cNvPr id="6" name="正方形/長方形 5">
-            <a:extLst>
-              <a:ext uri="{FF2B5EF4-FFF2-40B4-BE49-F238E27FC236}">
-                <a16:creationId xmlns:a16="http://schemas.microsoft.com/office/drawing/2014/main" id="{D4D64488-F257-A3EC-711B-5BC15AEAC046}"/>
-              </a:ext>
-            </a:extLst>
-          </p:cNvPr>
-          <p:cNvSpPr/>
-          <p:nvPr userDrawn="1"/>
-        </p:nvSpPr>
-        <p:spPr>
-          <a:xfrm>
-            <a:off x="0" y="182880"/>
-            <a:ext cx="6010656" cy="670560"/>
-          </a:xfrm>
-          <a:prstGeom prst="rect">
-            <a:avLst/>
-          </a:prstGeom>
-          <a:solidFill>
-            <a:srgbClr val="404040"/>
-          </a:solidFill>
-          <a:ln>
-            <a:noFill/>
-          </a:ln>
-        </p:spPr>
-        <p:style>
-          <a:lnRef idx="2">
-            <a:schemeClr val="accent1">
-              <a:shade val="15000"/>
-            </a:schemeClr>
-          </a:lnRef>
-          <a:fillRef idx="1">
-            <a:schemeClr val="accent1"/>
-          </a:fillRef>
-          <a:effectRef idx="0">
-            <a:schemeClr val="accent1"/>
-          </a:effectRef>
-          <a:fontRef idx="minor">
-            <a:schemeClr val="lt1"/>
-          </a:fontRef>
-        </p:style>
-        <p:txBody>
-          <a:bodyPr rtlCol="0" anchor="ctr"/>
-          <a:lstStyle/>
-          <a:p>
-            <a:pPr algn="ctr"/>
-            <a:endParaRPr kumimoji="1" lang="ja-JP" altLang="en-US"/>
-          </a:p>
-        </p:txBody>
-      </p:sp>
-      <p:sp>
-        <p:nvSpPr>
-          <p:cNvPr id="7" name="正方形/長方形 6">
-            <a:extLst>
-              <a:ext uri="{FF2B5EF4-FFF2-40B4-BE49-F238E27FC236}">
-                <a16:creationId xmlns:a16="http://schemas.microsoft.com/office/drawing/2014/main" id="{7A54645C-C350-37B2-810F-07B620C69A14}"/>
-              </a:ext>
-            </a:extLst>
-          </p:cNvPr>
-          <p:cNvSpPr/>
-          <p:nvPr userDrawn="1"/>
-        </p:nvSpPr>
-        <p:spPr>
-          <a:xfrm>
-            <a:off x="0" y="1034011"/>
-            <a:ext cx="12192000" cy="928901"/>
-          </a:xfrm>
-          <a:prstGeom prst="rect">
-            <a:avLst/>
-          </a:prstGeom>
-          <a:solidFill>
-            <a:srgbClr val="F2F2F2"/>
-          </a:solidFill>
-          <a:ln>
-            <a:noFill/>
-          </a:ln>
-        </p:spPr>
-        <p:style>
-          <a:lnRef idx="2">
-            <a:schemeClr val="accent1">
-              <a:shade val="15000"/>
-            </a:schemeClr>
-          </a:lnRef>
-          <a:fillRef idx="1">
-            <a:schemeClr val="accent1"/>
-          </a:fillRef>
-          <a:effectRef idx="0">
-            <a:schemeClr val="accent1"/>
-          </a:effectRef>
-          <a:fontRef idx="minor">
-            <a:schemeClr val="lt1"/>
-          </a:fontRef>
-        </p:style>
-        <p:txBody>
-          <a:bodyPr rtlCol="0" anchor="ctr"/>
-          <a:lstStyle/>
-          <a:p>
-            <a:pPr algn="ctr"/>
-            <a:endParaRPr kumimoji="1" lang="ja-JP" altLang="en-US"/>
-          </a:p>
-        </p:txBody>
-      </p:sp>
-      <p:sp>
-        <p:nvSpPr>
-          <p:cNvPr id="8" name="正方形/長方形 7">
-            <a:extLst>
-              <a:ext uri="{FF2B5EF4-FFF2-40B4-BE49-F238E27FC236}">
-                <a16:creationId xmlns:a16="http://schemas.microsoft.com/office/drawing/2014/main" id="{B0D0EE5D-5476-4F21-A480-02ECBD439D04}"/>
-              </a:ext>
-            </a:extLst>
-          </p:cNvPr>
-          <p:cNvSpPr/>
-          <p:nvPr userDrawn="1"/>
-        </p:nvSpPr>
-        <p:spPr>
-          <a:xfrm>
-            <a:off x="0" y="6559296"/>
-            <a:ext cx="12192000" cy="298704"/>
-          </a:xfrm>
-          <a:prstGeom prst="rect">
-            <a:avLst/>
-          </a:prstGeom>
-          <a:solidFill>
-            <a:srgbClr val="404040"/>
-          </a:solidFill>
-          <a:ln>
-            <a:noFill/>
-          </a:ln>
-        </p:spPr>
-        <p:style>
-          <a:lnRef idx="2">
-            <a:schemeClr val="accent1">
-              <a:shade val="15000"/>
-            </a:schemeClr>
-          </a:lnRef>
-          <a:fillRef idx="1">
-            <a:schemeClr val="accent1"/>
-          </a:fillRef>
-          <a:effectRef idx="0">
-            <a:schemeClr val="accent1"/>
-          </a:effectRef>
-          <a:fontRef idx="minor">
-            <a:schemeClr val="lt1"/>
-          </a:fontRef>
-        </p:style>
-        <p:txBody>
-          <a:bodyPr rtlCol="0" anchor="ctr"/>
-          <a:lstStyle/>
-          <a:p>
-            <a:pPr algn="ctr"/>
             <a:endParaRPr kumimoji="1" lang="ja-JP" altLang="en-US"/>
           </a:p>
         </p:txBody>
@@ -1841,6 +1690,214 @@
           </a:p>
         </p:txBody>
       </p:sp>
+      <p:sp>
+        <p:nvSpPr>
+          <p:cNvPr id="5" name="正方形/長方形 4">
+            <a:extLst>
+              <a:ext uri="{FF2B5EF4-FFF2-40B4-BE49-F238E27FC236}">
+                <a16:creationId xmlns:a16="http://schemas.microsoft.com/office/drawing/2014/main" id="{4EB44FB1-823A-2AF0-36B2-5242C7F09EC8}"/>
+              </a:ext>
+            </a:extLst>
+          </p:cNvPr>
+          <p:cNvSpPr/>
+          <p:nvPr/>
+        </p:nvSpPr>
+        <p:spPr>
+          <a:xfrm>
+            <a:off x="1121664" y="2697480"/>
+            <a:ext cx="1584960" cy="1207008"/>
+          </a:xfrm>
+          <a:prstGeom prst="rect">
+            <a:avLst/>
+          </a:prstGeom>
+          <a:solidFill>
+            <a:srgbClr val="EB8261"/>
+          </a:solidFill>
+          <a:ln>
+            <a:noFill/>
+          </a:ln>
+        </p:spPr>
+        <p:style>
+          <a:lnRef idx="2">
+            <a:schemeClr val="accent1">
+              <a:shade val="15000"/>
+            </a:schemeClr>
+          </a:lnRef>
+          <a:fillRef idx="1">
+            <a:schemeClr val="accent1"/>
+          </a:fillRef>
+          <a:effectRef idx="0">
+            <a:schemeClr val="accent1"/>
+          </a:effectRef>
+          <a:fontRef idx="minor">
+            <a:schemeClr val="lt1"/>
+          </a:fontRef>
+        </p:style>
+        <p:txBody>
+          <a:bodyPr rtlCol="0" anchor="ctr"/>
+          <a:lstStyle/>
+          <a:p>
+            <a:pPr algn="ctr"/>
+            <a:endParaRPr kumimoji="1" lang="ja-JP" altLang="en-US"/>
+          </a:p>
+        </p:txBody>
+      </p:sp>
+      <p:sp>
+        <p:nvSpPr>
+          <p:cNvPr id="6" name="正方形/長方形 5">
+            <a:extLst>
+              <a:ext uri="{FF2B5EF4-FFF2-40B4-BE49-F238E27FC236}">
+                <a16:creationId xmlns:a16="http://schemas.microsoft.com/office/drawing/2014/main" id="{144F4B11-B7ED-BA18-6C8D-B117C51915D5}"/>
+              </a:ext>
+            </a:extLst>
+          </p:cNvPr>
+          <p:cNvSpPr/>
+          <p:nvPr/>
+        </p:nvSpPr>
+        <p:spPr>
+          <a:xfrm>
+            <a:off x="2987040" y="2676144"/>
+            <a:ext cx="1584960" cy="1207008"/>
+          </a:xfrm>
+          <a:prstGeom prst="rect">
+            <a:avLst/>
+          </a:prstGeom>
+          <a:solidFill>
+            <a:srgbClr val="EFBF1C"/>
+          </a:solidFill>
+          <a:ln>
+            <a:noFill/>
+          </a:ln>
+        </p:spPr>
+        <p:style>
+          <a:lnRef idx="2">
+            <a:schemeClr val="accent1">
+              <a:shade val="15000"/>
+            </a:schemeClr>
+          </a:lnRef>
+          <a:fillRef idx="1">
+            <a:schemeClr val="accent1"/>
+          </a:fillRef>
+          <a:effectRef idx="0">
+            <a:schemeClr val="accent1"/>
+          </a:effectRef>
+          <a:fontRef idx="minor">
+            <a:schemeClr val="lt1"/>
+          </a:fontRef>
+        </p:style>
+        <p:txBody>
+          <a:bodyPr rtlCol="0" anchor="ctr"/>
+          <a:lstStyle/>
+          <a:p>
+            <a:pPr algn="ctr"/>
+            <a:endParaRPr kumimoji="1" lang="ja-JP" altLang="en-US"/>
+          </a:p>
+        </p:txBody>
+      </p:sp>
+      <p:sp>
+        <p:nvSpPr>
+          <p:cNvPr id="7" name="正方形/長方形 6">
+            <a:extLst>
+              <a:ext uri="{FF2B5EF4-FFF2-40B4-BE49-F238E27FC236}">
+                <a16:creationId xmlns:a16="http://schemas.microsoft.com/office/drawing/2014/main" id="{C0B0D170-A08D-3D37-4B0C-2037434979E9}"/>
+              </a:ext>
+            </a:extLst>
+          </p:cNvPr>
+          <p:cNvSpPr/>
+          <p:nvPr/>
+        </p:nvSpPr>
+        <p:spPr>
+          <a:xfrm>
+            <a:off x="5077968" y="2697480"/>
+            <a:ext cx="1584960" cy="1207008"/>
+          </a:xfrm>
+          <a:prstGeom prst="rect">
+            <a:avLst/>
+          </a:prstGeom>
+          <a:solidFill>
+            <a:srgbClr val="EAE0C7"/>
+          </a:solidFill>
+          <a:ln>
+            <a:noFill/>
+          </a:ln>
+        </p:spPr>
+        <p:style>
+          <a:lnRef idx="2">
+            <a:schemeClr val="accent1">
+              <a:shade val="15000"/>
+            </a:schemeClr>
+          </a:lnRef>
+          <a:fillRef idx="1">
+            <a:schemeClr val="accent1"/>
+          </a:fillRef>
+          <a:effectRef idx="0">
+            <a:schemeClr val="accent1"/>
+          </a:effectRef>
+          <a:fontRef idx="minor">
+            <a:schemeClr val="lt1"/>
+          </a:fontRef>
+        </p:style>
+        <p:txBody>
+          <a:bodyPr rtlCol="0" anchor="ctr"/>
+          <a:lstStyle/>
+          <a:p>
+            <a:pPr algn="ctr"/>
+            <a:endParaRPr kumimoji="1" lang="ja-JP" altLang="en-US"/>
+          </a:p>
+        </p:txBody>
+      </p:sp>
+      <p:sp>
+        <p:nvSpPr>
+          <p:cNvPr id="8" name="正方形/長方形 7">
+            <a:extLst>
+              <a:ext uri="{FF2B5EF4-FFF2-40B4-BE49-F238E27FC236}">
+                <a16:creationId xmlns:a16="http://schemas.microsoft.com/office/drawing/2014/main" id="{74CB186D-5FCF-D7CB-C761-E0CBC5995F83}"/>
+              </a:ext>
+            </a:extLst>
+          </p:cNvPr>
+          <p:cNvSpPr/>
+          <p:nvPr/>
+        </p:nvSpPr>
+        <p:spPr>
+          <a:xfrm>
+            <a:off x="7168896" y="2697480"/>
+            <a:ext cx="1584960" cy="1207008"/>
+          </a:xfrm>
+          <a:prstGeom prst="rect">
+            <a:avLst/>
+          </a:prstGeom>
+          <a:solidFill>
+            <a:srgbClr val="093353"/>
+          </a:solidFill>
+          <a:ln>
+            <a:noFill/>
+          </a:ln>
+        </p:spPr>
+        <p:style>
+          <a:lnRef idx="2">
+            <a:schemeClr val="accent1">
+              <a:shade val="15000"/>
+            </a:schemeClr>
+          </a:lnRef>
+          <a:fillRef idx="1">
+            <a:schemeClr val="accent1"/>
+          </a:fillRef>
+          <a:effectRef idx="0">
+            <a:schemeClr val="accent1"/>
+          </a:effectRef>
+          <a:fontRef idx="minor">
+            <a:schemeClr val="lt1"/>
+          </a:fontRef>
+        </p:style>
+        <p:txBody>
+          <a:bodyPr rtlCol="0" anchor="ctr"/>
+          <a:lstStyle/>
+          <a:p>
+            <a:pPr algn="ctr"/>
+            <a:endParaRPr kumimoji="1" lang="ja-JP" altLang="en-US"/>
+          </a:p>
+        </p:txBody>
+      </p:sp>
     </p:spTree>
     <p:extLst>
       <p:ext uri="{BB962C8B-B14F-4D97-AF65-F5344CB8AC3E}">
@@ -1873,25 +1930,208 @@
       </p:grpSpPr>
       <p:sp>
         <p:nvSpPr>
-          <p:cNvPr id="2" name="タイトル 1">
-            <a:extLst>
-              <a:ext uri="{FF2B5EF4-FFF2-40B4-BE49-F238E27FC236}">
-                <a16:creationId xmlns:a16="http://schemas.microsoft.com/office/drawing/2014/main" id="{F5E2926A-22FD-9CFA-393A-43ADEA90827F}"/>
-              </a:ext>
-            </a:extLst>
-          </p:cNvPr>
-          <p:cNvSpPr>
-            <a:spLocks noGrp="1"/>
-          </p:cNvSpPr>
-          <p:nvPr>
-            <p:ph type="title"/>
-          </p:nvPr>
-        </p:nvSpPr>
-        <p:spPr/>
-        <p:txBody>
-          <a:bodyPr/>
-          <a:lstStyle/>
-          <a:p>
+          <p:cNvPr id="2" name="正方形/長方形 1">
+            <a:extLst>
+              <a:ext uri="{FF2B5EF4-FFF2-40B4-BE49-F238E27FC236}">
+                <a16:creationId xmlns:a16="http://schemas.microsoft.com/office/drawing/2014/main" id="{F21856EA-56C3-F12F-590B-06DB99877357}"/>
+              </a:ext>
+            </a:extLst>
+          </p:cNvPr>
+          <p:cNvSpPr/>
+          <p:nvPr/>
+        </p:nvSpPr>
+        <p:spPr>
+          <a:xfrm>
+            <a:off x="1121664" y="2697480"/>
+            <a:ext cx="1584960" cy="1207008"/>
+          </a:xfrm>
+          <a:prstGeom prst="rect">
+            <a:avLst/>
+          </a:prstGeom>
+          <a:solidFill>
+            <a:srgbClr val="BA4030"/>
+          </a:solidFill>
+          <a:ln>
+            <a:noFill/>
+          </a:ln>
+        </p:spPr>
+        <p:style>
+          <a:lnRef idx="2">
+            <a:schemeClr val="accent1">
+              <a:shade val="15000"/>
+            </a:schemeClr>
+          </a:lnRef>
+          <a:fillRef idx="1">
+            <a:schemeClr val="accent1"/>
+          </a:fillRef>
+          <a:effectRef idx="0">
+            <a:schemeClr val="accent1"/>
+          </a:effectRef>
+          <a:fontRef idx="minor">
+            <a:schemeClr val="lt1"/>
+          </a:fontRef>
+        </p:style>
+        <p:txBody>
+          <a:bodyPr rtlCol="0" anchor="ctr"/>
+          <a:lstStyle/>
+          <a:p>
+            <a:pPr algn="ctr"/>
+            <a:endParaRPr kumimoji="1" lang="ja-JP" altLang="en-US"/>
+          </a:p>
+        </p:txBody>
+      </p:sp>
+      <p:sp>
+        <p:nvSpPr>
+          <p:cNvPr id="3" name="正方形/長方形 2">
+            <a:extLst>
+              <a:ext uri="{FF2B5EF4-FFF2-40B4-BE49-F238E27FC236}">
+                <a16:creationId xmlns:a16="http://schemas.microsoft.com/office/drawing/2014/main" id="{E9BAF259-2D4E-1705-CBE0-D8625B679CA5}"/>
+              </a:ext>
+            </a:extLst>
+          </p:cNvPr>
+          <p:cNvSpPr/>
+          <p:nvPr/>
+        </p:nvSpPr>
+        <p:spPr>
+          <a:xfrm>
+            <a:off x="2987040" y="2676144"/>
+            <a:ext cx="1584960" cy="1207008"/>
+          </a:xfrm>
+          <a:prstGeom prst="rect">
+            <a:avLst/>
+          </a:prstGeom>
+          <a:solidFill>
+            <a:srgbClr val="5E8E86"/>
+          </a:solidFill>
+          <a:ln>
+            <a:noFill/>
+          </a:ln>
+        </p:spPr>
+        <p:style>
+          <a:lnRef idx="2">
+            <a:schemeClr val="accent1">
+              <a:shade val="15000"/>
+            </a:schemeClr>
+          </a:lnRef>
+          <a:fillRef idx="1">
+            <a:schemeClr val="accent1"/>
+          </a:fillRef>
+          <a:effectRef idx="0">
+            <a:schemeClr val="accent1"/>
+          </a:effectRef>
+          <a:fontRef idx="minor">
+            <a:schemeClr val="lt1"/>
+          </a:fontRef>
+        </p:style>
+        <p:txBody>
+          <a:bodyPr rtlCol="0" anchor="ctr"/>
+          <a:lstStyle/>
+          <a:p>
+            <a:pPr algn="ctr"/>
+            <a:endParaRPr kumimoji="1" lang="ja-JP" altLang="en-US" dirty="0"/>
+          </a:p>
+        </p:txBody>
+      </p:sp>
+      <p:sp>
+        <p:nvSpPr>
+          <p:cNvPr id="4" name="正方形/長方形 3">
+            <a:extLst>
+              <a:ext uri="{FF2B5EF4-FFF2-40B4-BE49-F238E27FC236}">
+                <a16:creationId xmlns:a16="http://schemas.microsoft.com/office/drawing/2014/main" id="{7F413D83-9A70-0479-479D-13FAB45B3182}"/>
+              </a:ext>
+            </a:extLst>
+          </p:cNvPr>
+          <p:cNvSpPr/>
+          <p:nvPr/>
+        </p:nvSpPr>
+        <p:spPr>
+          <a:xfrm>
+            <a:off x="5077968" y="2697480"/>
+            <a:ext cx="1584960" cy="1207008"/>
+          </a:xfrm>
+          <a:prstGeom prst="rect">
+            <a:avLst/>
+          </a:prstGeom>
+          <a:solidFill>
+            <a:srgbClr val="E2DDCA"/>
+          </a:solidFill>
+          <a:ln>
+            <a:noFill/>
+          </a:ln>
+        </p:spPr>
+        <p:style>
+          <a:lnRef idx="2">
+            <a:schemeClr val="accent1">
+              <a:shade val="15000"/>
+            </a:schemeClr>
+          </a:lnRef>
+          <a:fillRef idx="1">
+            <a:schemeClr val="accent1"/>
+          </a:fillRef>
+          <a:effectRef idx="0">
+            <a:schemeClr val="accent1"/>
+          </a:effectRef>
+          <a:fontRef idx="minor">
+            <a:schemeClr val="lt1"/>
+          </a:fontRef>
+        </p:style>
+        <p:txBody>
+          <a:bodyPr rtlCol="0" anchor="ctr"/>
+          <a:lstStyle/>
+          <a:p>
+            <a:pPr algn="ctr"/>
+            <a:endParaRPr kumimoji="1" lang="ja-JP" altLang="en-US"/>
+          </a:p>
+        </p:txBody>
+      </p:sp>
+      <p:sp>
+        <p:nvSpPr>
+          <p:cNvPr id="5" name="正方形/長方形 4">
+            <a:extLst>
+              <a:ext uri="{FF2B5EF4-FFF2-40B4-BE49-F238E27FC236}">
+                <a16:creationId xmlns:a16="http://schemas.microsoft.com/office/drawing/2014/main" id="{55877A5C-1D2B-5115-9BD5-A3D28610B265}"/>
+              </a:ext>
+            </a:extLst>
+          </p:cNvPr>
+          <p:cNvSpPr/>
+          <p:nvPr/>
+        </p:nvSpPr>
+        <p:spPr>
+          <a:xfrm>
+            <a:off x="7168896" y="2676144"/>
+            <a:ext cx="1584960" cy="1207008"/>
+          </a:xfrm>
+          <a:prstGeom prst="rect">
+            <a:avLst/>
+          </a:prstGeom>
+          <a:solidFill>
+            <a:srgbClr val="2C2E3C"/>
+          </a:solidFill>
+          <a:ln>
+            <a:noFill/>
+          </a:ln>
+        </p:spPr>
+        <p:style>
+          <a:lnRef idx="2">
+            <a:schemeClr val="accent1">
+              <a:shade val="15000"/>
+            </a:schemeClr>
+          </a:lnRef>
+          <a:fillRef idx="1">
+            <a:schemeClr val="accent1"/>
+          </a:fillRef>
+          <a:effectRef idx="0">
+            <a:schemeClr val="accent1"/>
+          </a:effectRef>
+          <a:fontRef idx="minor">
+            <a:schemeClr val="lt1"/>
+          </a:fontRef>
+        </p:style>
+        <p:txBody>
+          <a:bodyPr rtlCol="0" anchor="ctr"/>
+          <a:lstStyle/>
+          <a:p>
+            <a:pPr algn="ctr"/>
             <a:endParaRPr kumimoji="1" lang="ja-JP" altLang="en-US"/>
           </a:p>
         </p:txBody>
@@ -1899,7 +2139,7 @@
     </p:spTree>
     <p:extLst>
       <p:ext uri="{BB962C8B-B14F-4D97-AF65-F5344CB8AC3E}">
-        <p14:creationId xmlns:p14="http://schemas.microsoft.com/office/powerpoint/2010/main" val="1800831169"/>
+        <p14:creationId xmlns:p14="http://schemas.microsoft.com/office/powerpoint/2010/main" val="1944971687"/>
       </p:ext>
     </p:extLst>
   </p:cSld>

--- a/テンプレ１.pptx
+++ b/テンプレ１.pptx
@@ -8,6 +8,7 @@
     <p:sldId id="256" r:id="rId2"/>
     <p:sldId id="257" r:id="rId3"/>
     <p:sldId id="260" r:id="rId4"/>
+    <p:sldId id="261" r:id="rId5"/>
   </p:sldIdLst>
   <p:sldSz cx="12192000" cy="6858000"/>
   <p:notesSz cx="6858000" cy="9144000"/>
@@ -1148,7 +1149,7 @@
         </p:nvSpPr>
         <p:spPr>
           <a:xfrm>
-            <a:off x="9924672" y="972312"/>
+            <a:off x="10074216" y="862584"/>
             <a:ext cx="1353312" cy="1133856"/>
           </a:xfrm>
           <a:prstGeom prst="rect">
@@ -1200,7 +1201,7 @@
         </p:nvSpPr>
         <p:spPr>
           <a:xfrm>
-            <a:off x="5650992" y="877824"/>
+            <a:off x="5590032" y="877824"/>
             <a:ext cx="1353312" cy="1133856"/>
           </a:xfrm>
           <a:prstGeom prst="rect">
@@ -2140,6 +2141,244 @@
     <p:extLst>
       <p:ext uri="{BB962C8B-B14F-4D97-AF65-F5344CB8AC3E}">
         <p14:creationId xmlns:p14="http://schemas.microsoft.com/office/powerpoint/2010/main" val="1944971687"/>
+      </p:ext>
+    </p:extLst>
+  </p:cSld>
+  <p:clrMapOvr>
+    <a:masterClrMapping/>
+  </p:clrMapOvr>
+</p:sld>
+</file>
+
+<file path=ppt/slides/slide4.xml><?xml version="1.0" encoding="utf-8"?>
+<p:sld xmlns:a="http://schemas.openxmlformats.org/drawingml/2006/main" xmlns:r="http://schemas.openxmlformats.org/officeDocument/2006/relationships" xmlns:p="http://schemas.openxmlformats.org/presentationml/2006/main">
+  <p:cSld>
+    <p:spTree>
+      <p:nvGrpSpPr>
+        <p:cNvPr id="1" name=""/>
+        <p:cNvGrpSpPr/>
+        <p:nvPr/>
+      </p:nvGrpSpPr>
+      <p:grpSpPr>
+        <a:xfrm>
+          <a:off x="0" y="0"/>
+          <a:ext cx="0" cy="0"/>
+          <a:chOff x="0" y="0"/>
+          <a:chExt cx="0" cy="0"/>
+        </a:xfrm>
+      </p:grpSpPr>
+      <p:sp>
+        <p:nvSpPr>
+          <p:cNvPr id="3" name="正方形/長方形 2">
+            <a:extLst>
+              <a:ext uri="{FF2B5EF4-FFF2-40B4-BE49-F238E27FC236}">
+                <a16:creationId xmlns:a16="http://schemas.microsoft.com/office/drawing/2014/main" id="{ABA1AEAB-234D-F8E3-813D-08B82693EA93}"/>
+              </a:ext>
+            </a:extLst>
+          </p:cNvPr>
+          <p:cNvSpPr/>
+          <p:nvPr/>
+        </p:nvSpPr>
+        <p:spPr>
+          <a:xfrm>
+            <a:off x="1121664" y="2697480"/>
+            <a:ext cx="1584960" cy="1207008"/>
+          </a:xfrm>
+          <a:prstGeom prst="rect">
+            <a:avLst/>
+          </a:prstGeom>
+          <a:solidFill>
+            <a:srgbClr val="B67754"/>
+          </a:solidFill>
+          <a:ln>
+            <a:noFill/>
+          </a:ln>
+        </p:spPr>
+        <p:style>
+          <a:lnRef idx="2">
+            <a:schemeClr val="accent1">
+              <a:shade val="15000"/>
+            </a:schemeClr>
+          </a:lnRef>
+          <a:fillRef idx="1">
+            <a:schemeClr val="accent1"/>
+          </a:fillRef>
+          <a:effectRef idx="0">
+            <a:schemeClr val="accent1"/>
+          </a:effectRef>
+          <a:fontRef idx="minor">
+            <a:schemeClr val="lt1"/>
+          </a:fontRef>
+        </p:style>
+        <p:txBody>
+          <a:bodyPr rtlCol="0" anchor="ctr"/>
+          <a:lstStyle/>
+          <a:p>
+            <a:pPr algn="ctr"/>
+            <a:endParaRPr kumimoji="1" lang="ja-JP" altLang="en-US"/>
+          </a:p>
+        </p:txBody>
+      </p:sp>
+      <p:sp>
+        <p:nvSpPr>
+          <p:cNvPr id="4" name="正方形/長方形 3">
+            <a:extLst>
+              <a:ext uri="{FF2B5EF4-FFF2-40B4-BE49-F238E27FC236}">
+                <a16:creationId xmlns:a16="http://schemas.microsoft.com/office/drawing/2014/main" id="{B87952EA-4427-DA2E-643E-CCFF57A75E30}"/>
+              </a:ext>
+            </a:extLst>
+          </p:cNvPr>
+          <p:cNvSpPr/>
+          <p:nvPr/>
+        </p:nvSpPr>
+        <p:spPr>
+          <a:xfrm>
+            <a:off x="3099816" y="2697480"/>
+            <a:ext cx="1584960" cy="1207008"/>
+          </a:xfrm>
+          <a:prstGeom prst="rect">
+            <a:avLst/>
+          </a:prstGeom>
+          <a:solidFill>
+            <a:srgbClr val="EEA944"/>
+          </a:solidFill>
+          <a:ln>
+            <a:noFill/>
+          </a:ln>
+        </p:spPr>
+        <p:style>
+          <a:lnRef idx="2">
+            <a:schemeClr val="accent1">
+              <a:shade val="15000"/>
+            </a:schemeClr>
+          </a:lnRef>
+          <a:fillRef idx="1">
+            <a:schemeClr val="accent1"/>
+          </a:fillRef>
+          <a:effectRef idx="0">
+            <a:schemeClr val="accent1"/>
+          </a:effectRef>
+          <a:fontRef idx="minor">
+            <a:schemeClr val="lt1"/>
+          </a:fontRef>
+        </p:style>
+        <p:txBody>
+          <a:bodyPr rtlCol="0" anchor="ctr"/>
+          <a:lstStyle/>
+          <a:p>
+            <a:pPr algn="ctr"/>
+            <a:endParaRPr kumimoji="1" lang="ja-JP" altLang="en-US" dirty="0"/>
+          </a:p>
+        </p:txBody>
+      </p:sp>
+      <p:sp>
+        <p:nvSpPr>
+          <p:cNvPr id="5" name="正方形/長方形 4">
+            <a:extLst>
+              <a:ext uri="{FF2B5EF4-FFF2-40B4-BE49-F238E27FC236}">
+                <a16:creationId xmlns:a16="http://schemas.microsoft.com/office/drawing/2014/main" id="{952BDB52-E54B-D57D-DD7B-8E8CE70C9F9F}"/>
+              </a:ext>
+            </a:extLst>
+          </p:cNvPr>
+          <p:cNvSpPr/>
+          <p:nvPr/>
+        </p:nvSpPr>
+        <p:spPr>
+          <a:xfrm>
+            <a:off x="5077968" y="2697480"/>
+            <a:ext cx="1584960" cy="1207008"/>
+          </a:xfrm>
+          <a:prstGeom prst="rect">
+            <a:avLst/>
+          </a:prstGeom>
+          <a:solidFill>
+            <a:srgbClr val="884206"/>
+          </a:solidFill>
+          <a:ln>
+            <a:noFill/>
+          </a:ln>
+        </p:spPr>
+        <p:style>
+          <a:lnRef idx="2">
+            <a:schemeClr val="accent1">
+              <a:shade val="15000"/>
+            </a:schemeClr>
+          </a:lnRef>
+          <a:fillRef idx="1">
+            <a:schemeClr val="accent1"/>
+          </a:fillRef>
+          <a:effectRef idx="0">
+            <a:schemeClr val="accent1"/>
+          </a:effectRef>
+          <a:fontRef idx="minor">
+            <a:schemeClr val="lt1"/>
+          </a:fontRef>
+        </p:style>
+        <p:txBody>
+          <a:bodyPr rtlCol="0" anchor="ctr"/>
+          <a:lstStyle/>
+          <a:p>
+            <a:pPr algn="ctr"/>
+            <a:endParaRPr kumimoji="1" lang="ja-JP" altLang="en-US"/>
+          </a:p>
+        </p:txBody>
+      </p:sp>
+      <p:sp>
+        <p:nvSpPr>
+          <p:cNvPr id="6" name="正方形/長方形 5">
+            <a:extLst>
+              <a:ext uri="{FF2B5EF4-FFF2-40B4-BE49-F238E27FC236}">
+                <a16:creationId xmlns:a16="http://schemas.microsoft.com/office/drawing/2014/main" id="{AD632E40-30C4-0BD8-EB33-2E18771631D2}"/>
+              </a:ext>
+            </a:extLst>
+          </p:cNvPr>
+          <p:cNvSpPr/>
+          <p:nvPr/>
+        </p:nvSpPr>
+        <p:spPr>
+          <a:xfrm>
+            <a:off x="7168896" y="2676144"/>
+            <a:ext cx="1584960" cy="1207008"/>
+          </a:xfrm>
+          <a:prstGeom prst="rect">
+            <a:avLst/>
+          </a:prstGeom>
+          <a:solidFill>
+            <a:srgbClr val="3B4761"/>
+          </a:solidFill>
+          <a:ln>
+            <a:noFill/>
+          </a:ln>
+        </p:spPr>
+        <p:style>
+          <a:lnRef idx="2">
+            <a:schemeClr val="accent1">
+              <a:shade val="15000"/>
+            </a:schemeClr>
+          </a:lnRef>
+          <a:fillRef idx="1">
+            <a:schemeClr val="accent1"/>
+          </a:fillRef>
+          <a:effectRef idx="0">
+            <a:schemeClr val="accent1"/>
+          </a:effectRef>
+          <a:fontRef idx="minor">
+            <a:schemeClr val="lt1"/>
+          </a:fontRef>
+        </p:style>
+        <p:txBody>
+          <a:bodyPr rtlCol="0" anchor="ctr"/>
+          <a:lstStyle/>
+          <a:p>
+            <a:pPr algn="ctr"/>
+            <a:endParaRPr kumimoji="1" lang="ja-JP" altLang="en-US"/>
+          </a:p>
+        </p:txBody>
+      </p:sp>
+    </p:spTree>
+    <p:extLst>
+      <p:ext uri="{BB962C8B-B14F-4D97-AF65-F5344CB8AC3E}">
+        <p14:creationId xmlns:p14="http://schemas.microsoft.com/office/powerpoint/2010/main" val="68800962"/>
       </p:ext>
     </p:extLst>
   </p:cSld>
